--- a/presentation/Presentation.pptx
+++ b/presentation/Presentation.pptx
@@ -6516,18 +6516,18 @@
           </a:bodyPr>
           <a:lstStyle/>
           <a:p>
-            <a:pPr algn="l"/>
-            <a:r>
-              <a:rPr lang="en-US" sz="2800" b="0" i="0" dirty="0">
+            <a:pPr algn="ctr"/>
+            <a:r>
+              <a:rPr lang="en-US" sz="3200" b="0" i="0" dirty="0">
                 <a:solidFill>
                   <a:srgbClr val="E6EDF3"/>
                 </a:solidFill>
                 <a:effectLst/>
                 <a:latin typeface="-apple-system"/>
               </a:rPr>
-              <a:t>A learning management system with the soul purpose of making the educational process easier and more efficient, with a</a:t>
-            </a:r>
-            <a:endParaRPr lang="ar-SA" sz="2800" dirty="0"/>
+              <a:t>an application or web-based technology used to plan, implement a specific learning process,</a:t>
+            </a:r>
+            <a:endParaRPr lang="ar-SA" sz="3200" dirty="0"/>
           </a:p>
         </p:txBody>
       </p:sp>
